--- a/Slides.pptx
+++ b/Slides.pptx
@@ -182,7 +182,7 @@
             <a:fld id="{2233D26B-DFC2-4248-8ED0-AD3E108CBDD7}" type="datetime1">
               <a:rPr lang="en-US" smtClean="0"/>
               <a:pPr/>
-              <a:t>5/16/14</a:t>
+              <a:t>7/19/14</a:t>
             </a:fld>
             <a:endParaRPr lang="en-US"/>
           </a:p>
@@ -500,7 +500,7 @@
             <a:fld id="{E694C003-38E8-486A-9BFD-47E55D87241C}" type="datetime1">
               <a:rPr lang="en-US" smtClean="0"/>
               <a:pPr/>
-              <a:t>5/16/14</a:t>
+              <a:t>7/19/14</a:t>
             </a:fld>
             <a:endParaRPr lang="en-US"/>
           </a:p>
@@ -677,7 +677,7 @@
             <a:fld id="{E059EAA3-934B-41DB-B3B1-806F4BE5CC37}" type="datetime1">
               <a:rPr lang="en-US" smtClean="0"/>
               <a:pPr/>
-              <a:t>5/16/14</a:t>
+              <a:t>7/19/14</a:t>
             </a:fld>
             <a:endParaRPr lang="en-US"/>
           </a:p>
@@ -797,7 +797,7 @@
             <a:fld id="{8F97F932-D99A-4087-BFB1-EA42FAFC8D2C}" type="datetime1">
               <a:rPr lang="en-US" smtClean="0"/>
               <a:pPr/>
-              <a:t>5/16/14</a:t>
+              <a:t>7/19/14</a:t>
             </a:fld>
             <a:endParaRPr lang="en-US"/>
           </a:p>
@@ -1097,7 +1097,7 @@
             <a:fld id="{79C96367-2F2B-4F6E-ACF4-15FA13738E10}" type="datetime1">
               <a:rPr lang="en-US" smtClean="0"/>
               <a:pPr/>
-              <a:t>5/16/14</a:t>
+              <a:t>7/19/14</a:t>
             </a:fld>
             <a:endParaRPr lang="en-US"/>
           </a:p>
@@ -1392,7 +1392,7 @@
             <a:fld id="{8FB3498D-21C7-408B-8EF5-5B55DEF0BFD5}" type="datetime1">
               <a:rPr lang="en-US" smtClean="0"/>
               <a:pPr/>
-              <a:t>5/16/14</a:t>
+              <a:t>7/19/14</a:t>
             </a:fld>
             <a:endParaRPr lang="en-US"/>
           </a:p>
@@ -1822,7 +1822,7 @@
             <a:fld id="{84DB246E-8FD1-42FF-94A4-E4133095C37A}" type="datetime1">
               <a:rPr lang="en-US" smtClean="0"/>
               <a:pPr/>
-              <a:t>5/16/14</a:t>
+              <a:t>7/19/14</a:t>
             </a:fld>
             <a:endParaRPr lang="en-US"/>
           </a:p>
@@ -1942,7 +1942,7 @@
             <a:fld id="{A93939D4-B818-4372-B1EE-7CB6D5BBC74A}" type="datetime1">
               <a:rPr lang="en-US" smtClean="0"/>
               <a:pPr/>
-              <a:t>5/16/14</a:t>
+              <a:t>7/19/14</a:t>
             </a:fld>
             <a:endParaRPr lang="en-US"/>
           </a:p>
@@ -2034,7 +2034,7 @@
             <a:fld id="{2F35E438-4D0D-4834-B658-A90420491D98}" type="datetime1">
               <a:rPr lang="en-US" smtClean="0"/>
               <a:pPr/>
-              <a:t>5/16/14</a:t>
+              <a:t>7/19/14</a:t>
             </a:fld>
             <a:endParaRPr lang="en-US"/>
           </a:p>
@@ -2286,7 +2286,7 @@
             <a:fld id="{76F8ADFA-7142-4015-85E6-1712F15FA709}" type="datetime1">
               <a:rPr lang="en-US" smtClean="0"/>
               <a:pPr/>
-              <a:t>5/16/14</a:t>
+              <a:t>7/19/14</a:t>
             </a:fld>
             <a:endParaRPr lang="en-US"/>
           </a:p>
@@ -2804,7 +2804,7 @@
             <a:fld id="{34A581E0-D653-4D78-A48F-41D80498BC7E}" type="datetime1">
               <a:rPr lang="en-US" smtClean="0"/>
               <a:pPr/>
-              <a:t>5/16/14</a:t>
+              <a:t>7/19/14</a:t>
             </a:fld>
             <a:endParaRPr lang="en-US"/>
           </a:p>
@@ -3036,7 +3036,7 @@
             <a:fld id="{8B3AFFF1-9C47-49F0-AE12-AF188F3F4E82}" type="datetime1">
               <a:rPr lang="en-US" smtClean="0"/>
               <a:pPr/>
-              <a:t>5/16/14</a:t>
+              <a:t>7/19/14</a:t>
             </a:fld>
             <a:endParaRPr lang="en-US" dirty="0"/>
           </a:p>
@@ -3664,11 +3664,7 @@
           <a:p>
             <a:r>
               <a:rPr lang="en-US" dirty="0" smtClean="0"/>
-              <a:t>Adding a Code Diagnosti</a:t>
-            </a:r>
-            <a:r>
-              <a:rPr lang="en-US" dirty="0" smtClean="0"/>
-              <a:t>c with Fix</a:t>
+              <a:t>Adding a Code Diagnostic with Fix</a:t>
             </a:r>
             <a:endParaRPr lang="en-US" dirty="0"/>
           </a:p>
@@ -3877,7 +3873,12 @@
             <p:ph sz="quarter" idx="13"/>
           </p:nvPr>
         </p:nvSpPr>
-        <p:spPr/>
+        <p:spPr>
+          <a:xfrm>
+            <a:off x="609600" y="1600199"/>
+            <a:ext cx="7924800" cy="4519627"/>
+          </a:xfrm>
+        </p:spPr>
         <p:txBody>
           <a:bodyPr>
             <a:normAutofit/>
@@ -3910,11 +3911,7 @@
           <a:p>
             <a:r>
               <a:rPr lang="en-US" dirty="0" smtClean="0"/>
-              <a:t>Dictionary </a:t>
-            </a:r>
-            <a:r>
-              <a:rPr lang="en-US" dirty="0" smtClean="0"/>
-              <a:t>Initializer</a:t>
+              <a:t>Dictionary Initializer</a:t>
             </a:r>
           </a:p>
           <a:p>
@@ -3930,19 +3927,33 @@
               <a:rPr lang="en-US" dirty="0" smtClean="0"/>
               <a:t>members</a:t>
             </a:r>
+          </a:p>
+          <a:p>
+            <a:r>
+              <a:rPr lang="en-US" dirty="0" smtClean="0"/>
+              <a:t>Await in catch/finally</a:t>
+            </a:r>
+          </a:p>
+          <a:p>
+            <a:r>
+              <a:rPr lang="en-US" dirty="0" smtClean="0"/>
+              <a:t>Exception </a:t>
+            </a:r>
+            <a:r>
+              <a:rPr lang="en-US" dirty="0" smtClean="0"/>
+              <a:t>filters</a:t>
+            </a:r>
+          </a:p>
+          <a:p>
+            <a:r>
+              <a:rPr lang="en-US" dirty="0" smtClean="0"/>
+              <a:t>Null </a:t>
+            </a:r>
+            <a:r>
+              <a:rPr lang="en-US" dirty="0" err="1" smtClean="0"/>
+              <a:t>propegation</a:t>
+            </a:r>
             <a:endParaRPr lang="en-US" dirty="0" smtClean="0"/>
-          </a:p>
-          <a:p>
-            <a:r>
-              <a:rPr lang="en-US" dirty="0" smtClean="0"/>
-              <a:t>Await in catch/finally</a:t>
-            </a:r>
-          </a:p>
-          <a:p>
-            <a:r>
-              <a:rPr lang="en-US" dirty="0" smtClean="0"/>
-              <a:t>Exception filters</a:t>
-            </a:r>
           </a:p>
           <a:p>
             <a:endParaRPr lang="en-US" dirty="0"/>
@@ -4607,8 +4618,8 @@
               <a:t>Binary Literals &amp; Digit </a:t>
             </a:r>
             <a:r>
-              <a:rPr lang="en-US" dirty="0" err="1" smtClean="0"/>
-              <a:t>seperators</a:t>
+              <a:rPr lang="en-US" dirty="0" smtClean="0"/>
+              <a:t>separators</a:t>
             </a:r>
             <a:endParaRPr lang="en-US" dirty="0" smtClean="0"/>
           </a:p>
@@ -4699,39 +4710,6 @@
           </a:p>
           <a:p>
             <a:r>
-              <a:rPr lang="en-US" dirty="0" smtClean="0"/>
-              <a:t>Null propagation</a:t>
-            </a:r>
-          </a:p>
-          <a:p>
-            <a:pPr lvl="1"/>
-            <a:r>
-              <a:rPr lang="en-US" dirty="0" err="1" smtClean="0"/>
-              <a:t>var</a:t>
-            </a:r>
-            <a:r>
-              <a:rPr lang="en-US" dirty="0" smtClean="0"/>
-              <a:t> items = customer?.Orders?.</a:t>
-            </a:r>
-            <a:r>
-              <a:rPr lang="en-US" dirty="0" err="1" smtClean="0"/>
-              <a:t>FirstOrDefault</a:t>
-            </a:r>
-            <a:r>
-              <a:rPr lang="en-US" dirty="0" smtClean="0"/>
-              <a:t>()?.</a:t>
-            </a:r>
-            <a:r>
-              <a:rPr lang="en-US" dirty="0" err="1" smtClean="0"/>
-              <a:t>OrderItems</a:t>
-            </a:r>
-            <a:r>
-              <a:rPr lang="en-US" dirty="0" smtClean="0"/>
-              <a:t>;</a:t>
-            </a:r>
-          </a:p>
-          <a:p>
-            <a:r>
               <a:rPr lang="en-US" dirty="0" err="1" smtClean="0"/>
               <a:t>params</a:t>
             </a:r>
@@ -4773,7 +4751,28 @@
             </a:r>
             <a:r>
               <a:rPr lang="en-US" dirty="0" smtClean="0"/>
-              <a:t>&lt;double&gt; grades)</a:t>
+              <a:t>&lt;double&gt; grades</a:t>
+            </a:r>
+            <a:r>
+              <a:rPr lang="en-US" dirty="0" smtClean="0"/>
+              <a:t>)</a:t>
+            </a:r>
+          </a:p>
+          <a:p>
+            <a:endParaRPr lang="en-US" dirty="0"/>
+          </a:p>
+          <a:p>
+            <a:r>
+              <a:rPr lang="en-US" dirty="0" smtClean="0"/>
+              <a:t>Watch the Language Feature Implementation Status page on </a:t>
+            </a:r>
+            <a:r>
+              <a:rPr lang="en-US" dirty="0" err="1" smtClean="0"/>
+              <a:t>CodePlex</a:t>
+            </a:r>
+            <a:r>
+              <a:rPr lang="en-US" dirty="0" smtClean="0"/>
+              <a:t> for the latest</a:t>
             </a:r>
             <a:endParaRPr lang="en-US" dirty="0"/>
           </a:p>
@@ -4867,17 +4866,26 @@
             </a:r>
           </a:p>
           <a:p>
+            <a:pPr lvl="2"/>
+            <a:r>
+              <a:rPr lang="en-US" dirty="0" smtClean="0"/>
+              <a:t>But it will be a part of Visual Studio </a:t>
+            </a:r>
+            <a:r>
+              <a:rPr lang="en-US" dirty="0" err="1" smtClean="0"/>
+              <a:t>v.Next</a:t>
+            </a:r>
+            <a:endParaRPr lang="en-US" dirty="0" smtClean="0"/>
+          </a:p>
+          <a:p>
             <a:pPr lvl="1"/>
             <a:r>
               <a:rPr lang="en-US" dirty="0" smtClean="0"/>
-              <a:t>No, I don’t know if it will be in the next version of VS</a:t>
-            </a:r>
-          </a:p>
-          <a:p>
-            <a:pPr lvl="1"/>
-            <a:r>
-              <a:rPr lang="en-US" dirty="0" smtClean="0"/>
-              <a:t>Yes, I </a:t>
+              <a:t>Yes</a:t>
+            </a:r>
+            <a:r>
+              <a:rPr lang="en-US" dirty="0" smtClean="0"/>
+              <a:t>, I </a:t>
             </a:r>
             <a:r>
               <a:rPr lang="en-US" i="1" dirty="0" smtClean="0"/>
@@ -5046,11 +5054,23 @@
           <a:p>
             <a:r>
               <a:rPr lang="en-US" dirty="0" smtClean="0"/>
-              <a:t>Microsoft MVP, Visual C</a:t>
-            </a:r>
-            <a:r>
-              <a:rPr lang="en-US" dirty="0" smtClean="0"/>
-              <a:t>#</a:t>
+              <a:t>Microsoft </a:t>
+            </a:r>
+            <a:r>
+              <a:rPr lang="en-US" dirty="0" smtClean="0"/>
+              <a:t>MVP (Visual </a:t>
+            </a:r>
+            <a:r>
+              <a:rPr lang="en-US" dirty="0" smtClean="0"/>
+              <a:t>C</a:t>
+            </a:r>
+            <a:r>
+              <a:rPr lang="en-US" dirty="0" smtClean="0"/>
+              <a:t>#), </a:t>
+            </a:r>
+            <a:r>
+              <a:rPr lang="en-US" dirty="0" err="1" smtClean="0"/>
+              <a:t>ASPInsider</a:t>
             </a:r>
             <a:endParaRPr lang="en-US" dirty="0" smtClean="0"/>
           </a:p>
@@ -5059,10 +5079,10 @@
           </a:p>
           <a:p>
             <a:r>
-              <a:rPr lang="en-US" dirty="0" err="1" smtClean="0"/>
+              <a:rPr lang="en-US" b="1" dirty="0" err="1" smtClean="0"/>
               <a:t>adam@adambarney.com</a:t>
             </a:r>
-            <a:endParaRPr lang="en-US" dirty="0" smtClean="0"/>
+            <a:endParaRPr lang="en-US" b="1" dirty="0" smtClean="0"/>
           </a:p>
         </p:txBody>
       </p:sp>
@@ -5344,7 +5364,6 @@
               <a:rPr lang="en-US" b="1" dirty="0" smtClean="0"/>
               <a:t>GENERICS</a:t>
             </a:r>
-            <a:endParaRPr lang="en-US" b="1" dirty="0" smtClean="0"/>
           </a:p>
           <a:p>
             <a:r>
@@ -5392,14 +5411,6 @@
             <a:r>
               <a:rPr lang="en-US" dirty="0" smtClean="0"/>
               <a:t>					</a:t>
-            </a:r>
-            <a:r>
-              <a:rPr lang="en-US" sz="1400" dirty="0" smtClean="0">
-                <a:solidFill>
-                  <a:schemeClr val="accent6"/>
-                </a:solidFill>
-              </a:rPr>
-              <a:t/>
             </a:r>
             <a:endParaRPr lang="en-US" sz="1400" dirty="0">
               <a:solidFill>
@@ -5445,68 +5456,6 @@
           </a:prstGeom>
         </p:spPr>
       </p:pic>
-      <p:sp>
-        <p:nvSpPr>
-          <p:cNvPr id="5" name="TextBox 4"/>
-          <p:cNvSpPr txBox="1"/>
-          <p:nvPr/>
-        </p:nvSpPr>
-        <p:spPr>
-          <a:xfrm>
-            <a:off x="4968110" y="4538958"/>
-            <a:ext cx="2940200" cy="338554"/>
-          </a:xfrm>
-          <a:prstGeom prst="rect">
-            <a:avLst/>
-          </a:prstGeom>
-          <a:noFill/>
-        </p:spPr>
-        <p:txBody>
-          <a:bodyPr wrap="none" rtlCol="0">
-            <a:spAutoFit/>
-          </a:bodyPr>
-          <a:lstStyle/>
-          <a:p>
-            <a:r>
-              <a:rPr lang="en-US" sz="1600" i="1" dirty="0" smtClean="0">
-                <a:solidFill>
-                  <a:srgbClr val="B4B392"/>
-                </a:solidFill>
-                <a:latin typeface="Arial"/>
-                <a:cs typeface="Arial"/>
-              </a:rPr>
-              <a:t>My Heroes, </a:t>
-            </a:r>
-            <a:r>
-              <a:rPr lang="en-US" sz="1600" i="1" dirty="0" err="1" smtClean="0">
-                <a:solidFill>
-                  <a:srgbClr val="B4B392"/>
-                </a:solidFill>
-                <a:latin typeface="Arial"/>
-                <a:cs typeface="Arial"/>
-              </a:rPr>
-              <a:t>Mads</a:t>
-            </a:r>
-            <a:r>
-              <a:rPr lang="en-US" sz="1600" i="1" dirty="0" smtClean="0">
-                <a:solidFill>
-                  <a:srgbClr val="B4B392"/>
-                </a:solidFill>
-                <a:latin typeface="Arial"/>
-                <a:cs typeface="Arial"/>
-              </a:rPr>
-              <a:t> and Anders</a:t>
-            </a:r>
-            <a:endParaRPr lang="en-US" sz="1600" i="1" dirty="0">
-              <a:solidFill>
-                <a:srgbClr val="B4B392"/>
-              </a:solidFill>
-              <a:latin typeface="Arial"/>
-              <a:cs typeface="Arial"/>
-            </a:endParaRPr>
-          </a:p>
-        </p:txBody>
-      </p:sp>
     </p:spTree>
     <p:extLst>
       <p:ext uri="{BB962C8B-B14F-4D97-AF65-F5344CB8AC3E}">
@@ -5608,14 +5557,27 @@
           <a:p>
             <a:r>
               <a:rPr lang="en-US" dirty="0" smtClean="0"/>
-              <a:t>Roslyn produces an object model that representing your code</a:t>
-            </a:r>
-          </a:p>
-          <a:p>
-            <a:r>
-              <a:rPr lang="en-US" dirty="0" smtClean="0"/>
-              <a:t>This object model is exposed through a public API!</a:t>
-            </a:r>
+              <a:t>Roslyn produces an object model that </a:t>
+            </a:r>
+            <a:r>
+              <a:rPr lang="en-US" dirty="0" smtClean="0"/>
+              <a:t>represents </a:t>
+            </a:r>
+            <a:r>
+              <a:rPr lang="en-US" dirty="0" smtClean="0"/>
+              <a:t>your code</a:t>
+            </a:r>
+          </a:p>
+          <a:p>
+            <a:r>
+              <a:rPr lang="en-US" dirty="0" smtClean="0"/>
+              <a:t>This object model is exposed through a public </a:t>
+            </a:r>
+            <a:r>
+              <a:rPr lang="en-US" dirty="0" smtClean="0"/>
+              <a:t>API</a:t>
+            </a:r>
+            <a:endParaRPr lang="en-US" dirty="0" smtClean="0"/>
           </a:p>
           <a:p>
             <a:r>
@@ -6184,11 +6146,7 @@
             </a:pPr>
             <a:r>
               <a:rPr lang="en-US" dirty="0" smtClean="0"/>
-              <a:t>Simple</a:t>
-            </a:r>
-            <a:r>
-              <a:rPr lang="en-US" dirty="0" smtClean="0"/>
-              <a:t>!</a:t>
+              <a:t>Simple!</a:t>
             </a:r>
           </a:p>
           <a:p>

--- a/Slides.pptx
+++ b/Slides.pptx
@@ -3937,21 +3937,17 @@
           <a:p>
             <a:r>
               <a:rPr lang="en-US" dirty="0" smtClean="0"/>
-              <a:t>Exception </a:t>
-            </a:r>
-            <a:r>
-              <a:rPr lang="en-US" dirty="0" smtClean="0"/>
-              <a:t>filters</a:t>
-            </a:r>
-          </a:p>
-          <a:p>
-            <a:r>
-              <a:rPr lang="en-US" dirty="0" smtClean="0"/>
+              <a:t>Exception filters</a:t>
+            </a:r>
+          </a:p>
+          <a:p>
+            <a:r>
+              <a:rPr lang="en-US" smtClean="0"/>
               <a:t>Null </a:t>
             </a:r>
             <a:r>
-              <a:rPr lang="en-US" dirty="0" err="1" smtClean="0"/>
-              <a:t>propegation</a:t>
+              <a:rPr lang="en-US" smtClean="0"/>
+              <a:t>propagation</a:t>
             </a:r>
             <a:endParaRPr lang="en-US" dirty="0" smtClean="0"/>
           </a:p>
@@ -4615,13 +4611,8 @@
           <a:p>
             <a:r>
               <a:rPr lang="en-US" dirty="0" smtClean="0"/>
-              <a:t>Binary Literals &amp; Digit </a:t>
-            </a:r>
-            <a:r>
-              <a:rPr lang="en-US" dirty="0" smtClean="0"/>
-              <a:t>separators</a:t>
-            </a:r>
-            <a:endParaRPr lang="en-US" dirty="0" smtClean="0"/>
+              <a:t>Binary Literals &amp; Digit separators</a:t>
+            </a:r>
           </a:p>
           <a:p>
             <a:pPr lvl="1"/>
@@ -4751,11 +4742,7 @@
             </a:r>
             <a:r>
               <a:rPr lang="en-US" dirty="0" smtClean="0"/>
-              <a:t>&lt;double&gt; grades</a:t>
-            </a:r>
-            <a:r>
-              <a:rPr lang="en-US" dirty="0" smtClean="0"/>
-              <a:t>)</a:t>
+              <a:t>&lt;double&gt; grades)</a:t>
             </a:r>
           </a:p>
           <a:p>
@@ -4881,11 +4868,7 @@
             <a:pPr lvl="1"/>
             <a:r>
               <a:rPr lang="en-US" dirty="0" smtClean="0"/>
-              <a:t>Yes</a:t>
-            </a:r>
-            <a:r>
-              <a:rPr lang="en-US" dirty="0" smtClean="0"/>
-              <a:t>, I </a:t>
+              <a:t>Yes, I </a:t>
             </a:r>
             <a:r>
               <a:rPr lang="en-US" i="1" dirty="0" smtClean="0"/>
@@ -5054,19 +5037,7 @@
           <a:p>
             <a:r>
               <a:rPr lang="en-US" dirty="0" smtClean="0"/>
-              <a:t>Microsoft </a:t>
-            </a:r>
-            <a:r>
-              <a:rPr lang="en-US" dirty="0" smtClean="0"/>
-              <a:t>MVP (Visual </a:t>
-            </a:r>
-            <a:r>
-              <a:rPr lang="en-US" dirty="0" smtClean="0"/>
-              <a:t>C</a:t>
-            </a:r>
-            <a:r>
-              <a:rPr lang="en-US" dirty="0" smtClean="0"/>
-              <a:t>#), </a:t>
+              <a:t>Microsoft MVP (Visual C#), </a:t>
             </a:r>
             <a:r>
               <a:rPr lang="en-US" dirty="0" err="1" smtClean="0"/>
@@ -5557,27 +5528,14 @@
           <a:p>
             <a:r>
               <a:rPr lang="en-US" dirty="0" smtClean="0"/>
-              <a:t>Roslyn produces an object model that </a:t>
-            </a:r>
-            <a:r>
-              <a:rPr lang="en-US" dirty="0" smtClean="0"/>
-              <a:t>represents </a:t>
-            </a:r>
-            <a:r>
-              <a:rPr lang="en-US" dirty="0" smtClean="0"/>
-              <a:t>your code</a:t>
-            </a:r>
-          </a:p>
-          <a:p>
-            <a:r>
-              <a:rPr lang="en-US" dirty="0" smtClean="0"/>
-              <a:t>This object model is exposed through a public </a:t>
-            </a:r>
-            <a:r>
-              <a:rPr lang="en-US" dirty="0" smtClean="0"/>
-              <a:t>API</a:t>
-            </a:r>
-            <a:endParaRPr lang="en-US" dirty="0" smtClean="0"/>
+              <a:t>Roslyn produces an object model that represents your code</a:t>
+            </a:r>
+          </a:p>
+          <a:p>
+            <a:r>
+              <a:rPr lang="en-US" dirty="0" smtClean="0"/>
+              <a:t>This object model is exposed through a public API</a:t>
+            </a:r>
           </a:p>
           <a:p>
             <a:r>
